--- a/Capstone EmployeeManagement PPT.pptx
+++ b/Capstone EmployeeManagement PPT.pptx
@@ -5,7 +5,7 @@
     <p:sldMasterId id="2147483648" r:id="rId1"/>
   </p:sldMasterIdLst>
   <p:notesMasterIdLst>
-    <p:notesMasterId r:id="rId26"/>
+    <p:notesMasterId r:id="rId27"/>
   </p:notesMasterIdLst>
   <p:sldIdLst>
     <p:sldId id="260" r:id="rId2"/>
@@ -30,8 +30,9 @@
     <p:sldId id="4439" r:id="rId21"/>
     <p:sldId id="4440" r:id="rId22"/>
     <p:sldId id="4441" r:id="rId23"/>
-    <p:sldId id="4442" r:id="rId24"/>
-    <p:sldId id="4443" r:id="rId25"/>
+    <p:sldId id="4444" r:id="rId24"/>
+    <p:sldId id="4442" r:id="rId25"/>
+    <p:sldId id="4443" r:id="rId26"/>
   </p:sldIdLst>
   <p:sldSz cx="12192000" cy="6858000"/>
   <p:notesSz cx="6858000" cy="9144000"/>
@@ -138,6 +139,74 @@
 </p:presentation>
 </file>
 
+<file path=ppt/changesInfos/changesInfo1.xml><?xml version="1.0" encoding="utf-8"?>
+<pc:chgInfo xmlns:a="http://schemas.openxmlformats.org/drawingml/2006/main" xmlns:r="http://schemas.openxmlformats.org/officeDocument/2006/relationships" xmlns:ac="http://schemas.microsoft.com/office/drawing/2013/main/command" xmlns:pc="http://schemas.microsoft.com/office/powerpoint/2013/main/command">
+  <pc:docChgLst>
+    <pc:chgData name="Deekshith Dasa" userId="15e65d655f45a773" providerId="LiveId" clId="{0DBDF50C-8242-4776-90A5-C987932CF1E9}"/>
+    <pc:docChg chg="custSel addSld modSld">
+      <pc:chgData name="Deekshith Dasa" userId="15e65d655f45a773" providerId="LiveId" clId="{0DBDF50C-8242-4776-90A5-C987932CF1E9}" dt="2026-02-10T05:48:33.983" v="54" actId="1076"/>
+      <pc:docMkLst>
+        <pc:docMk/>
+      </pc:docMkLst>
+      <pc:sldChg chg="addSp delSp modSp mod">
+        <pc:chgData name="Deekshith Dasa" userId="15e65d655f45a773" providerId="LiveId" clId="{0DBDF50C-8242-4776-90A5-C987932CF1E9}" dt="2026-02-10T05:48:33.983" v="54" actId="1076"/>
+        <pc:sldMkLst>
+          <pc:docMk/>
+          <pc:sldMk cId="1904965663" sldId="4442"/>
+        </pc:sldMkLst>
+        <pc:picChg chg="del">
+          <ac:chgData name="Deekshith Dasa" userId="15e65d655f45a773" providerId="LiveId" clId="{0DBDF50C-8242-4776-90A5-C987932CF1E9}" dt="2026-02-10T05:48:23.711" v="50" actId="478"/>
+          <ac:picMkLst>
+            <pc:docMk/>
+            <pc:sldMk cId="1904965663" sldId="4442"/>
+            <ac:picMk id="7" creationId="{D949A491-7DD8-7A13-B3A9-EA23DA05FEC8}"/>
+          </ac:picMkLst>
+        </pc:picChg>
+        <pc:picChg chg="add mod">
+          <ac:chgData name="Deekshith Dasa" userId="15e65d655f45a773" providerId="LiveId" clId="{0DBDF50C-8242-4776-90A5-C987932CF1E9}" dt="2026-02-10T05:48:33.983" v="54" actId="1076"/>
+          <ac:picMkLst>
+            <pc:docMk/>
+            <pc:sldMk cId="1904965663" sldId="4442"/>
+            <ac:picMk id="8" creationId="{8DC43394-A194-61DF-A934-97858260A623}"/>
+          </ac:picMkLst>
+        </pc:picChg>
+      </pc:sldChg>
+      <pc:sldChg chg="addSp delSp modSp add mod">
+        <pc:chgData name="Deekshith Dasa" userId="15e65d655f45a773" providerId="LiveId" clId="{0DBDF50C-8242-4776-90A5-C987932CF1E9}" dt="2026-02-10T05:47:33.234" v="49" actId="1076"/>
+        <pc:sldMkLst>
+          <pc:docMk/>
+          <pc:sldMk cId="1866594961" sldId="4444"/>
+        </pc:sldMkLst>
+        <pc:spChg chg="mod">
+          <ac:chgData name="Deekshith Dasa" userId="15e65d655f45a773" providerId="LiveId" clId="{0DBDF50C-8242-4776-90A5-C987932CF1E9}" dt="2026-02-10T05:44:56.288" v="43" actId="20577"/>
+          <ac:spMkLst>
+            <pc:docMk/>
+            <pc:sldMk cId="1866594961" sldId="4444"/>
+            <ac:spMk id="4" creationId="{4A35C22A-7A21-FCCC-0834-8C2A4B3A95E0}"/>
+          </ac:spMkLst>
+        </pc:spChg>
+        <pc:picChg chg="add mod">
+          <ac:chgData name="Deekshith Dasa" userId="15e65d655f45a773" providerId="LiveId" clId="{0DBDF50C-8242-4776-90A5-C987932CF1E9}" dt="2026-02-10T05:47:33.234" v="49" actId="1076"/>
+          <ac:picMkLst>
+            <pc:docMk/>
+            <pc:sldMk cId="1866594961" sldId="4444"/>
+            <ac:picMk id="7" creationId="{F98F8CE0-66A4-29DF-3320-EAB37690F7BC}"/>
+          </ac:picMkLst>
+        </pc:picChg>
+        <pc:picChg chg="del">
+          <ac:chgData name="Deekshith Dasa" userId="15e65d655f45a773" providerId="LiveId" clId="{0DBDF50C-8242-4776-90A5-C987932CF1E9}" dt="2026-02-10T05:45:54.105" v="44" actId="478"/>
+          <ac:picMkLst>
+            <pc:docMk/>
+            <pc:sldMk cId="1866594961" sldId="4444"/>
+            <ac:picMk id="8" creationId="{757838C6-31FF-0EBA-C62A-FEEBB0C816C6}"/>
+          </ac:picMkLst>
+        </pc:picChg>
+      </pc:sldChg>
+    </pc:docChg>
+  </pc:docChgLst>
+</pc:chgInfo>
+</file>
+
 <file path=ppt/notesMasters/notesMaster1.xml><?xml version="1.0" encoding="utf-8"?>
 <p:notesMaster xmlns:a="http://schemas.openxmlformats.org/drawingml/2006/main" xmlns:r="http://schemas.openxmlformats.org/officeDocument/2006/relationships" xmlns:p="http://schemas.openxmlformats.org/presentationml/2006/main">
   <p:cSld>
@@ -220,7 +289,7 @@
           <a:p>
             <a:fld id="{64F83ABB-A641-41B3-815B-0BF716117969}" type="datetimeFigureOut">
               <a:rPr lang="en-US" smtClean="0"/>
-              <a:t>2/9/2026</a:t>
+              <a:t>2/10/2026</a:t>
             </a:fld>
             <a:endParaRPr lang="en-US"/>
           </a:p>
@@ -634,7 +703,7 @@
           <a:p>
             <a:fld id="{D66C86BF-26DF-47F2-BBA6-FB99F1E1025C}" type="datetimeFigureOut">
               <a:rPr lang="en-US" smtClean="0"/>
-              <a:t>2/9/2026</a:t>
+              <a:t>2/10/2026</a:t>
             </a:fld>
             <a:endParaRPr lang="en-US"/>
           </a:p>
@@ -832,7 +901,7 @@
           <a:p>
             <a:fld id="{D66C86BF-26DF-47F2-BBA6-FB99F1E1025C}" type="datetimeFigureOut">
               <a:rPr lang="en-US" smtClean="0"/>
-              <a:t>2/9/2026</a:t>
+              <a:t>2/10/2026</a:t>
             </a:fld>
             <a:endParaRPr lang="en-US"/>
           </a:p>
@@ -1040,7 +1109,7 @@
           <a:p>
             <a:fld id="{D66C86BF-26DF-47F2-BBA6-FB99F1E1025C}" type="datetimeFigureOut">
               <a:rPr lang="en-US" smtClean="0"/>
-              <a:t>2/9/2026</a:t>
+              <a:t>2/10/2026</a:t>
             </a:fld>
             <a:endParaRPr lang="en-US"/>
           </a:p>
@@ -1238,7 +1307,7 @@
           <a:p>
             <a:fld id="{D66C86BF-26DF-47F2-BBA6-FB99F1E1025C}" type="datetimeFigureOut">
               <a:rPr lang="en-US" smtClean="0"/>
-              <a:t>2/9/2026</a:t>
+              <a:t>2/10/2026</a:t>
             </a:fld>
             <a:endParaRPr lang="en-US"/>
           </a:p>
@@ -1513,7 +1582,7 @@
           <a:p>
             <a:fld id="{D66C86BF-26DF-47F2-BBA6-FB99F1E1025C}" type="datetimeFigureOut">
               <a:rPr lang="en-US" smtClean="0"/>
-              <a:t>2/9/2026</a:t>
+              <a:t>2/10/2026</a:t>
             </a:fld>
             <a:endParaRPr lang="en-US"/>
           </a:p>
@@ -1778,7 +1847,7 @@
           <a:p>
             <a:fld id="{D66C86BF-26DF-47F2-BBA6-FB99F1E1025C}" type="datetimeFigureOut">
               <a:rPr lang="en-US" smtClean="0"/>
-              <a:t>2/9/2026</a:t>
+              <a:t>2/10/2026</a:t>
             </a:fld>
             <a:endParaRPr lang="en-US"/>
           </a:p>
@@ -2190,7 +2259,7 @@
           <a:p>
             <a:fld id="{D66C86BF-26DF-47F2-BBA6-FB99F1E1025C}" type="datetimeFigureOut">
               <a:rPr lang="en-US" smtClean="0"/>
-              <a:t>2/9/2026</a:t>
+              <a:t>2/10/2026</a:t>
             </a:fld>
             <a:endParaRPr lang="en-US"/>
           </a:p>
@@ -2331,7 +2400,7 @@
           <a:p>
             <a:fld id="{D66C86BF-26DF-47F2-BBA6-FB99F1E1025C}" type="datetimeFigureOut">
               <a:rPr lang="en-US" smtClean="0"/>
-              <a:t>2/9/2026</a:t>
+              <a:t>2/10/2026</a:t>
             </a:fld>
             <a:endParaRPr lang="en-US"/>
           </a:p>
@@ -2444,7 +2513,7 @@
           <a:p>
             <a:fld id="{D66C86BF-26DF-47F2-BBA6-FB99F1E1025C}" type="datetimeFigureOut">
               <a:rPr lang="en-US" smtClean="0"/>
-              <a:t>2/9/2026</a:t>
+              <a:t>2/10/2026</a:t>
             </a:fld>
             <a:endParaRPr lang="en-US"/>
           </a:p>
@@ -2755,7 +2824,7 @@
           <a:p>
             <a:fld id="{D66C86BF-26DF-47F2-BBA6-FB99F1E1025C}" type="datetimeFigureOut">
               <a:rPr lang="en-US" smtClean="0"/>
-              <a:t>2/9/2026</a:t>
+              <a:t>2/10/2026</a:t>
             </a:fld>
             <a:endParaRPr lang="en-US"/>
           </a:p>
@@ -3043,7 +3112,7 @@
           <a:p>
             <a:fld id="{D66C86BF-26DF-47F2-BBA6-FB99F1E1025C}" type="datetimeFigureOut">
               <a:rPr lang="en-US" smtClean="0"/>
-              <a:t>2/9/2026</a:t>
+              <a:t>2/10/2026</a:t>
             </a:fld>
             <a:endParaRPr lang="en-US"/>
           </a:p>
@@ -3284,7 +3353,7 @@
           <a:p>
             <a:fld id="{D66C86BF-26DF-47F2-BBA6-FB99F1E1025C}" type="datetimeFigureOut">
               <a:rPr lang="en-US" smtClean="0"/>
-              <a:t>2/9/2026</a:t>
+              <a:t>2/10/2026</a:t>
             </a:fld>
             <a:endParaRPr lang="en-US"/>
           </a:p>
@@ -9722,6 +9791,392 @@
         <p:cNvPr id="1" name="">
           <a:extLst>
             <a:ext uri="{FF2B5EF4-FFF2-40B4-BE49-F238E27FC236}">
+              <a16:creationId xmlns:a16="http://schemas.microsoft.com/office/drawing/2014/main" id="{C8B01FE0-A4AA-AD61-BBA7-55F532AF37AA}"/>
+            </a:ext>
+          </a:extLst>
+        </p:cNvPr>
+        <p:cNvGrpSpPr/>
+        <p:nvPr/>
+      </p:nvGrpSpPr>
+      <p:grpSpPr>
+        <a:xfrm>
+          <a:off x="0" y="0"/>
+          <a:ext cx="0" cy="0"/>
+          <a:chOff x="0" y="0"/>
+          <a:chExt cx="0" cy="0"/>
+        </a:xfrm>
+      </p:grpSpPr>
+      <p:sp>
+        <p:nvSpPr>
+          <p:cNvPr id="29" name="Rectangle 155">
+            <a:extLst>
+              <a:ext uri="{FF2B5EF4-FFF2-40B4-BE49-F238E27FC236}">
+                <a16:creationId xmlns:a16="http://schemas.microsoft.com/office/drawing/2014/main" id="{BFA5B907-0BBD-DE0C-3BF8-6F637AFBB7BF}"/>
+              </a:ext>
+            </a:extLst>
+          </p:cNvPr>
+          <p:cNvSpPr/>
+          <p:nvPr/>
+        </p:nvSpPr>
+        <p:spPr>
+          <a:xfrm>
+            <a:off x="273075" y="211475"/>
+            <a:ext cx="10102565" cy="492443"/>
+          </a:xfrm>
+          <a:prstGeom prst="rect">
+            <a:avLst/>
+          </a:prstGeom>
+        </p:spPr>
+        <p:txBody>
+          <a:bodyPr wrap="square" lIns="0" tIns="0" rIns="0" bIns="0">
+            <a:spAutoFit/>
+          </a:bodyPr>
+          <a:lstStyle/>
+          <a:p>
+            <a:pPr>
+              <a:spcBef>
+                <a:spcPct val="0"/>
+              </a:spcBef>
+            </a:pPr>
+            <a:r>
+              <a:rPr lang="en-US" sz="3200" b="1" dirty="0">
+                <a:solidFill>
+                  <a:srgbClr val="0187CC"/>
+                </a:solidFill>
+                <a:latin typeface="HK Grotesk Bold"/>
+              </a:rPr>
+              <a:t>Employee Management System</a:t>
+            </a:r>
+          </a:p>
+        </p:txBody>
+      </p:sp>
+      <p:pic>
+        <p:nvPicPr>
+          <p:cNvPr id="2" name="Picture 1" descr="Logo&#10;&#10;Description automatically generated">
+            <a:extLst>
+              <a:ext uri="{FF2B5EF4-FFF2-40B4-BE49-F238E27FC236}">
+                <a16:creationId xmlns:a16="http://schemas.microsoft.com/office/drawing/2014/main" id="{61BBFAB4-582A-B4F5-B24E-F2130FC87BEA}"/>
+              </a:ext>
+            </a:extLst>
+          </p:cNvPr>
+          <p:cNvPicPr>
+            <a:picLocks noChangeAspect="1"/>
+          </p:cNvPicPr>
+          <p:nvPr/>
+        </p:nvPicPr>
+        <p:blipFill>
+          <a:blip r:embed="rId2">
+            <a:extLst>
+              <a:ext uri="{28A0092B-C50C-407E-A947-70E740481C1C}">
+                <a14:useLocalDpi xmlns:a14="http://schemas.microsoft.com/office/drawing/2010/main" val="0"/>
+              </a:ext>
+            </a:extLst>
+          </a:blip>
+          <a:stretch>
+            <a:fillRect/>
+          </a:stretch>
+        </p:blipFill>
+        <p:spPr>
+          <a:xfrm>
+            <a:off x="108630" y="6397884"/>
+            <a:ext cx="645766" cy="422937"/>
+          </a:xfrm>
+          <a:prstGeom prst="rect">
+            <a:avLst/>
+          </a:prstGeom>
+        </p:spPr>
+      </p:pic>
+      <p:sp>
+        <p:nvSpPr>
+          <p:cNvPr id="3" name="TextBox 5">
+            <a:extLst>
+              <a:ext uri="{FF2B5EF4-FFF2-40B4-BE49-F238E27FC236}">
+                <a16:creationId xmlns:a16="http://schemas.microsoft.com/office/drawing/2014/main" id="{EDAE4216-C5ED-D532-E887-737152949DC2}"/>
+              </a:ext>
+            </a:extLst>
+          </p:cNvPr>
+          <p:cNvSpPr txBox="1"/>
+          <p:nvPr/>
+        </p:nvSpPr>
+        <p:spPr>
+          <a:xfrm>
+            <a:off x="4424757" y="6418579"/>
+            <a:ext cx="6259403" cy="240665"/>
+          </a:xfrm>
+          <a:prstGeom prst="rect">
+            <a:avLst/>
+          </a:prstGeom>
+        </p:spPr>
+        <p:txBody>
+          <a:bodyPr lIns="0" tIns="0" rIns="0" bIns="0" rtlCol="0" anchor="t">
+            <a:spAutoFit/>
+          </a:bodyPr>
+          <a:lstStyle/>
+          <a:p>
+            <a:pPr algn="r">
+              <a:lnSpc>
+                <a:spcPts val="1960"/>
+              </a:lnSpc>
+              <a:spcBef>
+                <a:spcPct val="0"/>
+              </a:spcBef>
+            </a:pPr>
+            <a:r>
+              <a:rPr lang="en-US" sz="1400" spc="140" dirty="0">
+                <a:solidFill>
+                  <a:srgbClr val="000000"/>
+                </a:solidFill>
+                <a:latin typeface="HK Grotesk Light"/>
+              </a:rPr>
+              <a:t>2024 - RPS Consulting all rights reserved</a:t>
+            </a:r>
+          </a:p>
+        </p:txBody>
+      </p:sp>
+      <p:sp>
+        <p:nvSpPr>
+          <p:cNvPr id="6" name="Slide Number Placeholder 5">
+            <a:extLst>
+              <a:ext uri="{FF2B5EF4-FFF2-40B4-BE49-F238E27FC236}">
+                <a16:creationId xmlns:a16="http://schemas.microsoft.com/office/drawing/2014/main" id="{4E397F6D-43E3-DA9B-8377-6741AD35FDF9}"/>
+              </a:ext>
+            </a:extLst>
+          </p:cNvPr>
+          <p:cNvSpPr>
+            <a:spLocks noGrp="1"/>
+          </p:cNvSpPr>
+          <p:nvPr>
+            <p:ph type="sldNum" sz="quarter" idx="12"/>
+          </p:nvPr>
+        </p:nvSpPr>
+        <p:spPr/>
+        <p:txBody>
+          <a:bodyPr/>
+          <a:lstStyle/>
+          <a:p>
+            <a:fld id="{C8F35010-364B-470B-BB6C-DCBBE63D2E54}" type="slidenum">
+              <a:rPr lang="en-US" smtClean="0">
+                <a:solidFill>
+                  <a:schemeClr val="tx1"/>
+                </a:solidFill>
+              </a:rPr>
+              <a:t>23</a:t>
+            </a:fld>
+            <a:endParaRPr lang="en-US" dirty="0">
+              <a:solidFill>
+                <a:schemeClr val="tx1"/>
+              </a:solidFill>
+            </a:endParaRPr>
+          </a:p>
+        </p:txBody>
+      </p:sp>
+      <p:sp>
+        <p:nvSpPr>
+          <p:cNvPr id="4" name="TextBox 3">
+            <a:extLst>
+              <a:ext uri="{FF2B5EF4-FFF2-40B4-BE49-F238E27FC236}">
+                <a16:creationId xmlns:a16="http://schemas.microsoft.com/office/drawing/2014/main" id="{4A35C22A-7A21-FCCC-0834-8C2A4B3A95E0}"/>
+              </a:ext>
+            </a:extLst>
+          </p:cNvPr>
+          <p:cNvSpPr txBox="1"/>
+          <p:nvPr/>
+        </p:nvSpPr>
+        <p:spPr>
+          <a:xfrm>
+            <a:off x="273075" y="971116"/>
+            <a:ext cx="11080725" cy="1292662"/>
+          </a:xfrm>
+          <a:prstGeom prst="rect">
+            <a:avLst/>
+          </a:prstGeom>
+          <a:noFill/>
+        </p:spPr>
+        <p:txBody>
+          <a:bodyPr wrap="square" rtlCol="0">
+            <a:spAutoFit/>
+          </a:bodyPr>
+          <a:lstStyle>
+            <a:defPPr>
+              <a:defRPr lang="en-US"/>
+            </a:defPPr>
+            <a:lvl1pPr marL="0" algn="l" defTabSz="914400" rtl="0" eaLnBrk="1" latinLnBrk="0" hangingPunct="1">
+              <a:defRPr sz="1800" kern="1200">
+                <a:solidFill>
+                  <a:schemeClr val="tx1"/>
+                </a:solidFill>
+                <a:latin typeface="+mn-lt"/>
+                <a:ea typeface="+mn-ea"/>
+                <a:cs typeface="+mn-cs"/>
+              </a:defRPr>
+            </a:lvl1pPr>
+            <a:lvl2pPr marL="457200" algn="l" defTabSz="914400" rtl="0" eaLnBrk="1" latinLnBrk="0" hangingPunct="1">
+              <a:defRPr sz="1800" kern="1200">
+                <a:solidFill>
+                  <a:schemeClr val="tx1"/>
+                </a:solidFill>
+                <a:latin typeface="+mn-lt"/>
+                <a:ea typeface="+mn-ea"/>
+                <a:cs typeface="+mn-cs"/>
+              </a:defRPr>
+            </a:lvl2pPr>
+            <a:lvl3pPr marL="914400" algn="l" defTabSz="914400" rtl="0" eaLnBrk="1" latinLnBrk="0" hangingPunct="1">
+              <a:defRPr sz="1800" kern="1200">
+                <a:solidFill>
+                  <a:schemeClr val="tx1"/>
+                </a:solidFill>
+                <a:latin typeface="+mn-lt"/>
+                <a:ea typeface="+mn-ea"/>
+                <a:cs typeface="+mn-cs"/>
+              </a:defRPr>
+            </a:lvl3pPr>
+            <a:lvl4pPr marL="1371600" algn="l" defTabSz="914400" rtl="0" eaLnBrk="1" latinLnBrk="0" hangingPunct="1">
+              <a:defRPr sz="1800" kern="1200">
+                <a:solidFill>
+                  <a:schemeClr val="tx1"/>
+                </a:solidFill>
+                <a:latin typeface="+mn-lt"/>
+                <a:ea typeface="+mn-ea"/>
+                <a:cs typeface="+mn-cs"/>
+              </a:defRPr>
+            </a:lvl4pPr>
+            <a:lvl5pPr marL="1828800" algn="l" defTabSz="914400" rtl="0" eaLnBrk="1" latinLnBrk="0" hangingPunct="1">
+              <a:defRPr sz="1800" kern="1200">
+                <a:solidFill>
+                  <a:schemeClr val="tx1"/>
+                </a:solidFill>
+                <a:latin typeface="+mn-lt"/>
+                <a:ea typeface="+mn-ea"/>
+                <a:cs typeface="+mn-cs"/>
+              </a:defRPr>
+            </a:lvl5pPr>
+            <a:lvl6pPr marL="2286000" algn="l" defTabSz="914400" rtl="0" eaLnBrk="1" latinLnBrk="0" hangingPunct="1">
+              <a:defRPr sz="1800" kern="1200">
+                <a:solidFill>
+                  <a:schemeClr val="tx1"/>
+                </a:solidFill>
+                <a:latin typeface="+mn-lt"/>
+                <a:ea typeface="+mn-ea"/>
+                <a:cs typeface="+mn-cs"/>
+              </a:defRPr>
+            </a:lvl6pPr>
+            <a:lvl7pPr marL="2743200" algn="l" defTabSz="914400" rtl="0" eaLnBrk="1" latinLnBrk="0" hangingPunct="1">
+              <a:defRPr sz="1800" kern="1200">
+                <a:solidFill>
+                  <a:schemeClr val="tx1"/>
+                </a:solidFill>
+                <a:latin typeface="+mn-lt"/>
+                <a:ea typeface="+mn-ea"/>
+                <a:cs typeface="+mn-cs"/>
+              </a:defRPr>
+            </a:lvl7pPr>
+            <a:lvl8pPr marL="3200400" algn="l" defTabSz="914400" rtl="0" eaLnBrk="1" latinLnBrk="0" hangingPunct="1">
+              <a:defRPr sz="1800" kern="1200">
+                <a:solidFill>
+                  <a:schemeClr val="tx1"/>
+                </a:solidFill>
+                <a:latin typeface="+mn-lt"/>
+                <a:ea typeface="+mn-ea"/>
+                <a:cs typeface="+mn-cs"/>
+              </a:defRPr>
+            </a:lvl8pPr>
+            <a:lvl9pPr marL="3657600" algn="l" defTabSz="914400" rtl="0" eaLnBrk="1" latinLnBrk="0" hangingPunct="1">
+              <a:defRPr sz="1800" kern="1200">
+                <a:solidFill>
+                  <a:schemeClr val="tx1"/>
+                </a:solidFill>
+                <a:latin typeface="+mn-lt"/>
+                <a:ea typeface="+mn-ea"/>
+                <a:cs typeface="+mn-cs"/>
+              </a:defRPr>
+            </a:lvl9pPr>
+          </a:lstStyle>
+          <a:p>
+            <a:r>
+              <a:rPr lang="en-US" sz="2800" dirty="0">
+                <a:solidFill>
+                  <a:srgbClr val="0187CC"/>
+                </a:solidFill>
+                <a:latin typeface="HK Grotesk"/>
+              </a:rPr>
+              <a:t>Created Database and connected through Azure:</a:t>
+            </a:r>
+          </a:p>
+          <a:p>
+            <a:endParaRPr lang="en-US" sz="2800" dirty="0">
+              <a:solidFill>
+                <a:srgbClr val="0187CC"/>
+              </a:solidFill>
+              <a:latin typeface="HK Grotesk"/>
+            </a:endParaRPr>
+          </a:p>
+          <a:p>
+            <a:endParaRPr lang="en-US" sz="2200" dirty="0">
+              <a:solidFill>
+                <a:srgbClr val="0187CC"/>
+              </a:solidFill>
+              <a:latin typeface="HK Grotesk"/>
+            </a:endParaRPr>
+          </a:p>
+        </p:txBody>
+      </p:sp>
+      <p:pic>
+        <p:nvPicPr>
+          <p:cNvPr id="7" name="Picture 6">
+            <a:extLst>
+              <a:ext uri="{FF2B5EF4-FFF2-40B4-BE49-F238E27FC236}">
+                <a16:creationId xmlns:a16="http://schemas.microsoft.com/office/drawing/2014/main" id="{F98F8CE0-66A4-29DF-3320-EAB37690F7BC}"/>
+              </a:ext>
+            </a:extLst>
+          </p:cNvPr>
+          <p:cNvPicPr>
+            <a:picLocks noChangeAspect="1"/>
+          </p:cNvPicPr>
+          <p:nvPr/>
+        </p:nvPicPr>
+        <p:blipFill>
+          <a:blip r:embed="rId3">
+            <a:extLst>
+              <a:ext uri="{28A0092B-C50C-407E-A947-70E740481C1C}">
+                <a14:useLocalDpi xmlns:a14="http://schemas.microsoft.com/office/drawing/2010/main" val="0"/>
+              </a:ext>
+            </a:extLst>
+          </a:blip>
+          <a:stretch>
+            <a:fillRect/>
+          </a:stretch>
+        </p:blipFill>
+        <p:spPr>
+          <a:xfrm>
+            <a:off x="599593" y="1578118"/>
+            <a:ext cx="10274884" cy="4543425"/>
+          </a:xfrm>
+          <a:prstGeom prst="rect">
+            <a:avLst/>
+          </a:prstGeom>
+        </p:spPr>
+      </p:pic>
+    </p:spTree>
+    <p:extLst>
+      <p:ext uri="{BB962C8B-B14F-4D97-AF65-F5344CB8AC3E}">
+        <p14:creationId xmlns:p14="http://schemas.microsoft.com/office/powerpoint/2010/main" val="1866594961"/>
+      </p:ext>
+    </p:extLst>
+  </p:cSld>
+  <p:clrMapOvr>
+    <a:masterClrMapping/>
+  </p:clrMapOvr>
+</p:sld>
+</file>
+
+<file path=ppt/slides/slide24.xml><?xml version="1.0" encoding="utf-8"?>
+<p:sld xmlns:a="http://schemas.openxmlformats.org/drawingml/2006/main" xmlns:r="http://schemas.openxmlformats.org/officeDocument/2006/relationships" xmlns:p="http://schemas.openxmlformats.org/presentationml/2006/main">
+  <p:cSld>
+    <p:spTree>
+      <p:nvGrpSpPr>
+        <p:cNvPr id="1" name="">
+          <a:extLst>
+            <a:ext uri="{FF2B5EF4-FFF2-40B4-BE49-F238E27FC236}">
               <a16:creationId xmlns:a16="http://schemas.microsoft.com/office/drawing/2014/main" id="{F85EFF38-0C91-EF33-6937-02D2FA12E80D}"/>
             </a:ext>
           </a:extLst>
@@ -9891,7 +10346,7 @@
                   <a:schemeClr val="tx1"/>
                 </a:solidFill>
               </a:rPr>
-              <a:t>23</a:t>
+              <a:t>24</a:t>
             </a:fld>
             <a:endParaRPr lang="en-US" dirty="0">
               <a:solidFill>
@@ -10062,10 +10517,10 @@
       </p:sp>
       <p:pic>
         <p:nvPicPr>
-          <p:cNvPr id="7" name="Picture 6">
-            <a:extLst>
-              <a:ext uri="{FF2B5EF4-FFF2-40B4-BE49-F238E27FC236}">
-                <a16:creationId xmlns:a16="http://schemas.microsoft.com/office/drawing/2014/main" id="{D949A491-7DD8-7A13-B3A9-EA23DA05FEC8}"/>
+          <p:cNvPr id="8" name="Picture 7">
+            <a:extLst>
+              <a:ext uri="{FF2B5EF4-FFF2-40B4-BE49-F238E27FC236}">
+                <a16:creationId xmlns:a16="http://schemas.microsoft.com/office/drawing/2014/main" id="{8DC43394-A194-61DF-A934-97858260A623}"/>
               </a:ext>
             </a:extLst>
           </p:cNvPr>
@@ -10082,8 +10537,8 @@
         </p:blipFill>
         <p:spPr>
           <a:xfrm>
-            <a:off x="375639" y="1538981"/>
-            <a:ext cx="10875595" cy="4817367"/>
+            <a:off x="528598" y="1471495"/>
+            <a:ext cx="10569677" cy="4822624"/>
           </a:xfrm>
           <a:prstGeom prst="rect">
             <a:avLst/>
@@ -10103,7 +10558,7 @@
 </p:sld>
 </file>
 
-<file path=ppt/slides/slide24.xml><?xml version="1.0" encoding="utf-8"?>
+<file path=ppt/slides/slide25.xml><?xml version="1.0" encoding="utf-8"?>
 <p:sld xmlns:a="http://schemas.openxmlformats.org/drawingml/2006/main" xmlns:r="http://schemas.openxmlformats.org/officeDocument/2006/relationships" xmlns:p="http://schemas.openxmlformats.org/presentationml/2006/main">
   <p:cSld>
     <p:spTree>
@@ -10280,7 +10735,7 @@
                   <a:schemeClr val="tx1"/>
                 </a:solidFill>
               </a:rPr>
-              <a:t>24</a:t>
+              <a:t>25</a:t>
             </a:fld>
             <a:endParaRPr lang="en-US" dirty="0">
               <a:solidFill>
